--- a/branches/extended/2-Java-Programmer-Modulo-II/04.Capitulo01.pptx
+++ b/branches/extended/2-Java-Programmer-Modulo-II/04.Capitulo01.pptx
@@ -259,7 +259,7 @@
               <a:pPr>
                 <a:defRPr/>
               </a:pPr>
-              <a:t>05/05/2012</a:t>
+              <a:t>24/09/2012</a:t>
             </a:fld>
             <a:endParaRPr lang="pt-BR"/>
           </a:p>
@@ -447,7 +447,7 @@
               <a:pPr>
                 <a:defRPr/>
               </a:pPr>
-              <a:t>‹nº›</a:t>
+              <a:t>‹#›</a:t>
             </a:fld>
             <a:endParaRPr lang="pt-BR"/>
           </a:p>
@@ -2366,7 +2366,7 @@
               <a:pPr>
                 <a:defRPr/>
               </a:pPr>
-              <a:t>05/05/2012</a:t>
+              <a:t>24/09/2012</a:t>
             </a:fld>
             <a:endParaRPr lang="pt-BR"/>
           </a:p>
@@ -2425,7 +2425,7 @@
               <a:pPr>
                 <a:defRPr/>
               </a:pPr>
-              <a:t>‹nº›</a:t>
+              <a:t>‹#›</a:t>
             </a:fld>
             <a:endParaRPr lang="pt-BR"/>
           </a:p>
@@ -2558,7 +2558,7 @@
               <a:pPr>
                 <a:defRPr/>
               </a:pPr>
-              <a:t>05/05/2012</a:t>
+              <a:t>24/09/2012</a:t>
             </a:fld>
             <a:endParaRPr lang="pt-BR"/>
           </a:p>
@@ -2617,7 +2617,7 @@
               <a:pPr>
                 <a:defRPr/>
               </a:pPr>
-              <a:t>‹nº›</a:t>
+              <a:t>‹#›</a:t>
             </a:fld>
             <a:endParaRPr lang="pt-BR"/>
           </a:p>
@@ -2760,7 +2760,7 @@
               <a:pPr>
                 <a:defRPr/>
               </a:pPr>
-              <a:t>05/05/2012</a:t>
+              <a:t>24/09/2012</a:t>
             </a:fld>
             <a:endParaRPr lang="pt-BR"/>
           </a:p>
@@ -2819,7 +2819,7 @@
               <a:pPr>
                 <a:defRPr/>
               </a:pPr>
-              <a:t>‹nº›</a:t>
+              <a:t>‹#›</a:t>
             </a:fld>
             <a:endParaRPr lang="pt-BR"/>
           </a:p>
@@ -2860,7 +2860,12 @@
             <p:ph type="title"/>
           </p:nvPr>
         </p:nvSpPr>
-        <p:spPr/>
+        <p:spPr>
+          <a:xfrm>
+            <a:off x="457200" y="274638"/>
+            <a:ext cx="8329642" cy="1143000"/>
+          </a:xfrm>
+        </p:spPr>
         <p:txBody>
           <a:bodyPr/>
           <a:lstStyle>
@@ -2870,10 +2875,10 @@
           </a:lstStyle>
           <a:p>
             <a:r>
-              <a:rPr lang="pt-BR" smtClean="0"/>
+              <a:rPr lang="pt-BR" dirty="0" smtClean="0"/>
               <a:t>Clique para editar o estilo do título mestre</a:t>
             </a:r>
-            <a:endParaRPr lang="en-US"/>
+            <a:endParaRPr lang="en-US" dirty="0"/>
           </a:p>
         </p:txBody>
       </p:sp>
@@ -2956,7 +2961,7 @@
               <a:pPr>
                 <a:defRPr/>
               </a:pPr>
-              <a:t>05/05/2012</a:t>
+              <a:t>24/09/2012</a:t>
             </a:fld>
             <a:endParaRPr lang="pt-BR"/>
           </a:p>
@@ -3015,7 +3020,7 @@
               <a:pPr>
                 <a:defRPr/>
               </a:pPr>
-              <a:t>‹nº›</a:t>
+              <a:t>‹#›</a:t>
             </a:fld>
             <a:endParaRPr lang="pt-BR"/>
           </a:p>
@@ -3462,7 +3467,7 @@
               <a:pPr>
                 <a:defRPr/>
               </a:pPr>
-              <a:t>05/05/2012</a:t>
+              <a:t>24/09/2012</a:t>
             </a:fld>
             <a:endParaRPr lang="pt-BR"/>
           </a:p>
@@ -3521,7 +3526,7 @@
               <a:pPr>
                 <a:defRPr/>
               </a:pPr>
-              <a:t>‹nº›</a:t>
+              <a:t>‹#›</a:t>
             </a:fld>
             <a:endParaRPr lang="pt-BR"/>
           </a:p>
@@ -3753,7 +3758,7 @@
               <a:pPr>
                 <a:defRPr/>
               </a:pPr>
-              <a:t>05/05/2012</a:t>
+              <a:t>24/09/2012</a:t>
             </a:fld>
             <a:endParaRPr lang="pt-BR"/>
           </a:p>
@@ -3812,7 +3817,7 @@
               <a:pPr>
                 <a:defRPr/>
               </a:pPr>
-              <a:t>‹nº›</a:t>
+              <a:t>‹#›</a:t>
             </a:fld>
             <a:endParaRPr lang="pt-BR"/>
           </a:p>
@@ -4154,7 +4159,7 @@
               <a:pPr>
                 <a:defRPr/>
               </a:pPr>
-              <a:t>05/05/2012</a:t>
+              <a:t>24/09/2012</a:t>
             </a:fld>
             <a:endParaRPr lang="pt-BR"/>
           </a:p>
@@ -4213,7 +4218,7 @@
               <a:pPr>
                 <a:defRPr/>
               </a:pPr>
-              <a:t>‹nº›</a:t>
+              <a:t>‹#›</a:t>
             </a:fld>
             <a:endParaRPr lang="pt-BR"/>
           </a:p>
@@ -4303,7 +4308,7 @@
               <a:pPr>
                 <a:defRPr/>
               </a:pPr>
-              <a:t>05/05/2012</a:t>
+              <a:t>24/09/2012</a:t>
             </a:fld>
             <a:endParaRPr lang="pt-BR"/>
           </a:p>
@@ -4362,7 +4367,7 @@
               <a:pPr>
                 <a:defRPr/>
               </a:pPr>
-              <a:t>‹nº›</a:t>
+              <a:t>‹#›</a:t>
             </a:fld>
             <a:endParaRPr lang="pt-BR"/>
           </a:p>
@@ -4420,7 +4425,7 @@
               <a:pPr>
                 <a:defRPr/>
               </a:pPr>
-              <a:t>05/05/2012</a:t>
+              <a:t>24/09/2012</a:t>
             </a:fld>
             <a:endParaRPr lang="pt-BR"/>
           </a:p>
@@ -4479,7 +4484,7 @@
               <a:pPr>
                 <a:defRPr/>
               </a:pPr>
-              <a:t>‹nº›</a:t>
+              <a:t>‹#›</a:t>
             </a:fld>
             <a:endParaRPr lang="pt-BR"/>
           </a:p>
@@ -4696,7 +4701,7 @@
               <a:pPr>
                 <a:defRPr/>
               </a:pPr>
-              <a:t>05/05/2012</a:t>
+              <a:t>24/09/2012</a:t>
             </a:fld>
             <a:endParaRPr lang="pt-BR"/>
           </a:p>
@@ -4760,7 +4765,7 @@
               <a:pPr>
                 <a:defRPr/>
               </a:pPr>
-              <a:t>‹nº›</a:t>
+              <a:t>‹#›</a:t>
             </a:fld>
             <a:endParaRPr lang="pt-BR"/>
           </a:p>
@@ -4980,7 +4985,7 @@
               <a:pPr>
                 <a:defRPr/>
               </a:pPr>
-              <a:t>05/05/2012</a:t>
+              <a:t>24/09/2012</a:t>
             </a:fld>
             <a:endParaRPr lang="pt-BR"/>
           </a:p>
@@ -5039,7 +5044,7 @@
               <a:pPr>
                 <a:defRPr/>
               </a:pPr>
-              <a:t>‹nº›</a:t>
+              <a:t>‹#›</a:t>
             </a:fld>
             <a:endParaRPr lang="pt-BR"/>
           </a:p>
@@ -5458,7 +5463,7 @@
               <a:pPr>
                 <a:defRPr/>
               </a:pPr>
-              <a:t>05/05/2012</a:t>
+              <a:t>24/09/2012</a:t>
             </a:fld>
             <a:endParaRPr lang="pt-BR"/>
           </a:p>
@@ -5561,7 +5566,7 @@
               <a:pPr>
                 <a:defRPr/>
               </a:pPr>
-              <a:t>‹nº›</a:t>
+              <a:t>‹#›</a:t>
             </a:fld>
             <a:endParaRPr lang="pt-BR"/>
           </a:p>
